--- a/docs/diagrams/GroupSequenceDiagram.pptx
+++ b/docs/diagrams/GroupSequenceDiagram.pptx
@@ -109,7 +109,7 @@
   </p:defaultTextStyle>
   <p:extLst>
     <p:ext uri="{EFAFB233-063F-42B5-8137-9DF3F51BA10A}">
-      <p15:sldGuideLst xmlns:p15="http://schemas.microsoft.com/office/powerpoint/2012/main" xmlns="">
+      <p15:sldGuideLst xmlns="" xmlns:p15="http://schemas.microsoft.com/office/powerpoint/2012/main">
         <p15:guide id="1" orient="horz" pos="1488">
           <p15:clr>
             <a:srgbClr val="A4A3A4"/>
@@ -208,7 +208,7 @@
           <a:p>
             <a:fld id="{F5CC4B3F-88C1-4FFA-B1B6-F41C21DC6924}" type="datetimeFigureOut">
               <a:rPr lang="en-US" smtClean="0"/>
-              <a:t>10/17/2017</a:t>
+              <a:t>10/28/2017</a:t>
             </a:fld>
             <a:endParaRPr lang="en-US"/>
           </a:p>
@@ -654,7 +654,7 @@
           <a:p>
             <a:fld id="{78C97017-6FC3-485B-9764-EAC9E56C1D49}" type="datetimeFigureOut">
               <a:rPr lang="en-US" smtClean="0"/>
-              <a:t>10/17/2017</a:t>
+              <a:t>10/28/2017</a:t>
             </a:fld>
             <a:endParaRPr lang="en-US"/>
           </a:p>
@@ -822,7 +822,7 @@
           <a:p>
             <a:fld id="{78C97017-6FC3-485B-9764-EAC9E56C1D49}" type="datetimeFigureOut">
               <a:rPr lang="en-US" smtClean="0"/>
-              <a:t>10/17/2017</a:t>
+              <a:t>10/28/2017</a:t>
             </a:fld>
             <a:endParaRPr lang="en-US"/>
           </a:p>
@@ -1000,7 +1000,7 @@
           <a:p>
             <a:fld id="{78C97017-6FC3-485B-9764-EAC9E56C1D49}" type="datetimeFigureOut">
               <a:rPr lang="en-US" smtClean="0"/>
-              <a:t>10/17/2017</a:t>
+              <a:t>10/28/2017</a:t>
             </a:fld>
             <a:endParaRPr lang="en-US"/>
           </a:p>
@@ -1168,7 +1168,7 @@
           <a:p>
             <a:fld id="{78C97017-6FC3-485B-9764-EAC9E56C1D49}" type="datetimeFigureOut">
               <a:rPr lang="en-US" smtClean="0"/>
-              <a:t>10/17/2017</a:t>
+              <a:t>10/28/2017</a:t>
             </a:fld>
             <a:endParaRPr lang="en-US"/>
           </a:p>
@@ -1413,7 +1413,7 @@
           <a:p>
             <a:fld id="{78C97017-6FC3-485B-9764-EAC9E56C1D49}" type="datetimeFigureOut">
               <a:rPr lang="en-US" smtClean="0"/>
-              <a:t>10/17/2017</a:t>
+              <a:t>10/28/2017</a:t>
             </a:fld>
             <a:endParaRPr lang="en-US"/>
           </a:p>
@@ -1698,7 +1698,7 @@
           <a:p>
             <a:fld id="{78C97017-6FC3-485B-9764-EAC9E56C1D49}" type="datetimeFigureOut">
               <a:rPr lang="en-US" smtClean="0"/>
-              <a:t>10/17/2017</a:t>
+              <a:t>10/28/2017</a:t>
             </a:fld>
             <a:endParaRPr lang="en-US"/>
           </a:p>
@@ -2117,7 +2117,7 @@
           <a:p>
             <a:fld id="{78C97017-6FC3-485B-9764-EAC9E56C1D49}" type="datetimeFigureOut">
               <a:rPr lang="en-US" smtClean="0"/>
-              <a:t>10/17/2017</a:t>
+              <a:t>10/28/2017</a:t>
             </a:fld>
             <a:endParaRPr lang="en-US"/>
           </a:p>
@@ -2234,7 +2234,7 @@
           <a:p>
             <a:fld id="{78C97017-6FC3-485B-9764-EAC9E56C1D49}" type="datetimeFigureOut">
               <a:rPr lang="en-US" smtClean="0"/>
-              <a:t>10/17/2017</a:t>
+              <a:t>10/28/2017</a:t>
             </a:fld>
             <a:endParaRPr lang="en-US"/>
           </a:p>
@@ -2329,7 +2329,7 @@
           <a:p>
             <a:fld id="{78C97017-6FC3-485B-9764-EAC9E56C1D49}" type="datetimeFigureOut">
               <a:rPr lang="en-US" smtClean="0"/>
-              <a:t>10/17/2017</a:t>
+              <a:t>10/28/2017</a:t>
             </a:fld>
             <a:endParaRPr lang="en-US"/>
           </a:p>
@@ -2604,7 +2604,7 @@
           <a:p>
             <a:fld id="{78C97017-6FC3-485B-9764-EAC9E56C1D49}" type="datetimeFigureOut">
               <a:rPr lang="en-US" smtClean="0"/>
-              <a:t>10/17/2017</a:t>
+              <a:t>10/28/2017</a:t>
             </a:fld>
             <a:endParaRPr lang="en-US"/>
           </a:p>
@@ -2856,7 +2856,7 @@
           <a:p>
             <a:fld id="{78C97017-6FC3-485B-9764-EAC9E56C1D49}" type="datetimeFigureOut">
               <a:rPr lang="en-US" smtClean="0"/>
-              <a:t>10/17/2017</a:t>
+              <a:t>10/28/2017</a:t>
             </a:fld>
             <a:endParaRPr lang="en-US"/>
           </a:p>
@@ -3067,7 +3067,7 @@
           <a:p>
             <a:fld id="{78C97017-6FC3-485B-9764-EAC9E56C1D49}" type="datetimeFigureOut">
               <a:rPr lang="en-US" smtClean="0"/>
-              <a:t>10/17/2017</a:t>
+              <a:t>10/28/2017</a:t>
             </a:fld>
             <a:endParaRPr lang="en-US"/>
           </a:p>
@@ -4088,7 +4088,7 @@
           <p:cNvPr id="66" name="Straight Arrow Connector 65">
             <a:extLst>
               <a:ext uri="{FF2B5EF4-FFF2-40B4-BE49-F238E27FC236}">
-                <a16:creationId xmlns:a16="http://schemas.microsoft.com/office/drawing/2014/main" xmlns="" id="{39916E2E-195A-4DC8-B025-B05FA87E6796}"/>
+                <a16:creationId xmlns="" xmlns:a16="http://schemas.microsoft.com/office/drawing/2014/main" id="{39916E2E-195A-4DC8-B025-B05FA87E6796}"/>
               </a:ext>
             </a:extLst>
           </p:cNvPr>
@@ -4132,7 +4132,7 @@
           <p:cNvPr id="69" name="Straight Arrow Connector 68">
             <a:extLst>
               <a:ext uri="{FF2B5EF4-FFF2-40B4-BE49-F238E27FC236}">
-                <a16:creationId xmlns:a16="http://schemas.microsoft.com/office/drawing/2014/main" xmlns="" id="{7C9F21BC-13A9-471F-825A-2621FD36355F}"/>
+                <a16:creationId xmlns="" xmlns:a16="http://schemas.microsoft.com/office/drawing/2014/main" id="{7C9F21BC-13A9-471F-825A-2621FD36355F}"/>
               </a:ext>
             </a:extLst>
           </p:cNvPr>
@@ -4406,7 +4406,7 @@
           <p:cNvPr id="72" name="Straight Arrow Connector 71">
             <a:extLst>
               <a:ext uri="{FF2B5EF4-FFF2-40B4-BE49-F238E27FC236}">
-                <a16:creationId xmlns:a16="http://schemas.microsoft.com/office/drawing/2014/main" xmlns="" id="{39916E2E-195A-4DC8-B025-B05FA87E6796}"/>
+                <a16:creationId xmlns="" xmlns:a16="http://schemas.microsoft.com/office/drawing/2014/main" id="{39916E2E-195A-4DC8-B025-B05FA87E6796}"/>
               </a:ext>
             </a:extLst>
           </p:cNvPr>
@@ -4450,7 +4450,7 @@
           <p:cNvPr id="73" name="Straight Arrow Connector 72">
             <a:extLst>
               <a:ext uri="{FF2B5EF4-FFF2-40B4-BE49-F238E27FC236}">
-                <a16:creationId xmlns:a16="http://schemas.microsoft.com/office/drawing/2014/main" xmlns="" id="{854D9FBB-2B36-4DC9-8B58-F7F177A8E586}"/>
+                <a16:creationId xmlns="" xmlns:a16="http://schemas.microsoft.com/office/drawing/2014/main" id="{854D9FBB-2B36-4DC9-8B58-F7F177A8E586}"/>
               </a:ext>
             </a:extLst>
           </p:cNvPr>
@@ -4740,7 +4740,7 @@
           <p:cNvPr id="92" name="Straight Arrow Connector 91">
             <a:extLst>
               <a:ext uri="{FF2B5EF4-FFF2-40B4-BE49-F238E27FC236}">
-                <a16:creationId xmlns:a16="http://schemas.microsoft.com/office/drawing/2014/main" xmlns="" id="{7C9F21BC-13A9-471F-825A-2621FD36355F}"/>
+                <a16:creationId xmlns="" xmlns:a16="http://schemas.microsoft.com/office/drawing/2014/main" id="{7C9F21BC-13A9-471F-825A-2621FD36355F}"/>
               </a:ext>
             </a:extLst>
           </p:cNvPr>
@@ -4787,7 +4787,7 @@
           <p:cNvPr id="94" name="Straight Arrow Connector 93">
             <a:extLst>
               <a:ext uri="{FF2B5EF4-FFF2-40B4-BE49-F238E27FC236}">
-                <a16:creationId xmlns:a16="http://schemas.microsoft.com/office/drawing/2014/main" xmlns="" id="{39916E2E-195A-4DC8-B025-B05FA87E6796}"/>
+                <a16:creationId xmlns="" xmlns:a16="http://schemas.microsoft.com/office/drawing/2014/main" id="{39916E2E-195A-4DC8-B025-B05FA87E6796}"/>
               </a:ext>
             </a:extLst>
           </p:cNvPr>
@@ -4976,7 +4976,7 @@
           <p:cNvPr id="99" name="Straight Arrow Connector 98">
             <a:extLst>
               <a:ext uri="{FF2B5EF4-FFF2-40B4-BE49-F238E27FC236}">
-                <a16:creationId xmlns:a16="http://schemas.microsoft.com/office/drawing/2014/main" xmlns="" id="{39916E2E-195A-4DC8-B025-B05FA87E6796}"/>
+                <a16:creationId xmlns="" xmlns:a16="http://schemas.microsoft.com/office/drawing/2014/main" id="{39916E2E-195A-4DC8-B025-B05FA87E6796}"/>
               </a:ext>
             </a:extLst>
           </p:cNvPr>
@@ -5372,7 +5372,7 @@
           <p:cNvPr id="108" name="Straight Arrow Connector 107">
             <a:extLst>
               <a:ext uri="{FF2B5EF4-FFF2-40B4-BE49-F238E27FC236}">
-                <a16:creationId xmlns:a16="http://schemas.microsoft.com/office/drawing/2014/main" xmlns="" id="{39916E2E-195A-4DC8-B025-B05FA87E6796}"/>
+                <a16:creationId xmlns="" xmlns:a16="http://schemas.microsoft.com/office/drawing/2014/main" id="{39916E2E-195A-4DC8-B025-B05FA87E6796}"/>
               </a:ext>
             </a:extLst>
           </p:cNvPr>
@@ -5478,7 +5478,7 @@
           <p:cNvPr id="111" name="Straight Arrow Connector 110">
             <a:extLst>
               <a:ext uri="{FF2B5EF4-FFF2-40B4-BE49-F238E27FC236}">
-                <a16:creationId xmlns:a16="http://schemas.microsoft.com/office/drawing/2014/main" xmlns="" id="{39916E2E-195A-4DC8-B025-B05FA87E6796}"/>
+                <a16:creationId xmlns="" xmlns:a16="http://schemas.microsoft.com/office/drawing/2014/main" id="{39916E2E-195A-4DC8-B025-B05FA87E6796}"/>
               </a:ext>
             </a:extLst>
           </p:cNvPr>
@@ -5522,7 +5522,7 @@
           <p:cNvPr id="115" name="Straight Arrow Connector 114">
             <a:extLst>
               <a:ext uri="{FF2B5EF4-FFF2-40B4-BE49-F238E27FC236}">
-                <a16:creationId xmlns:a16="http://schemas.microsoft.com/office/drawing/2014/main" xmlns="" id="{7C9F21BC-13A9-471F-825A-2621FD36355F}"/>
+                <a16:creationId xmlns="" xmlns:a16="http://schemas.microsoft.com/office/drawing/2014/main" id="{7C9F21BC-13A9-471F-825A-2621FD36355F}"/>
               </a:ext>
             </a:extLst>
           </p:cNvPr>
@@ -5568,7 +5568,7 @@
           <p:cNvPr id="126" name="Straight Arrow Connector 125">
             <a:extLst>
               <a:ext uri="{FF2B5EF4-FFF2-40B4-BE49-F238E27FC236}">
-                <a16:creationId xmlns:a16="http://schemas.microsoft.com/office/drawing/2014/main" xmlns="" id="{7C9F21BC-13A9-471F-825A-2621FD36355F}"/>
+                <a16:creationId xmlns="" xmlns:a16="http://schemas.microsoft.com/office/drawing/2014/main" id="{7C9F21BC-13A9-471F-825A-2621FD36355F}"/>
               </a:ext>
             </a:extLst>
           </p:cNvPr>
@@ -5614,7 +5614,7 @@
           <p:cNvPr id="130" name="Straight Arrow Connector 129">
             <a:extLst>
               <a:ext uri="{FF2B5EF4-FFF2-40B4-BE49-F238E27FC236}">
-                <a16:creationId xmlns:a16="http://schemas.microsoft.com/office/drawing/2014/main" xmlns="" id="{7C9F21BC-13A9-471F-825A-2621FD36355F}"/>
+                <a16:creationId xmlns="" xmlns:a16="http://schemas.microsoft.com/office/drawing/2014/main" id="{7C9F21BC-13A9-471F-825A-2621FD36355F}"/>
               </a:ext>
             </a:extLst>
           </p:cNvPr>
@@ -5655,164 +5655,6 @@
           </a:fontRef>
         </p:style>
       </p:cxnSp>
-      <p:sp>
-        <p:nvSpPr>
-          <p:cNvPr id="8" name="Rectangle 7"/>
-          <p:cNvSpPr/>
-          <p:nvPr/>
-        </p:nvSpPr>
-        <p:spPr>
-          <a:xfrm>
-            <a:off x="1337012" y="1989408"/>
-            <a:ext cx="7162800" cy="2049192"/>
-          </a:xfrm>
-          <a:prstGeom prst="rect">
-            <a:avLst/>
-          </a:prstGeom>
-          <a:noFill/>
-          <a:ln w="12700">
-            <a:solidFill>
-              <a:schemeClr val="tx1"/>
-            </a:solidFill>
-          </a:ln>
-        </p:spPr>
-        <p:style>
-          <a:lnRef idx="2">
-            <a:schemeClr val="accent1">
-              <a:shade val="50000"/>
-            </a:schemeClr>
-          </a:lnRef>
-          <a:fillRef idx="1">
-            <a:schemeClr val="accent1"/>
-          </a:fillRef>
-          <a:effectRef idx="0">
-            <a:schemeClr val="accent1"/>
-          </a:effectRef>
-          <a:fontRef idx="minor">
-            <a:schemeClr val="lt1"/>
-          </a:fontRef>
-        </p:style>
-        <p:txBody>
-          <a:bodyPr rtlCol="0" anchor="ctr"/>
-          <a:lstStyle/>
-          <a:p>
-            <a:pPr algn="ctr"/>
-            <a:endParaRPr lang="en-GB"/>
-          </a:p>
-        </p:txBody>
-      </p:sp>
-      <p:sp>
-        <p:nvSpPr>
-          <p:cNvPr id="12" name="Snip Single Corner Rectangle 11"/>
-          <p:cNvSpPr/>
-          <p:nvPr/>
-        </p:nvSpPr>
-        <p:spPr>
-          <a:xfrm flipV="1">
-            <a:off x="1337012" y="1989408"/>
-            <a:ext cx="685800" cy="228600"/>
-          </a:xfrm>
-          <a:prstGeom prst="snip1Rect">
-            <a:avLst/>
-          </a:prstGeom>
-          <a:noFill/>
-          <a:ln w="12700">
-            <a:solidFill>
-              <a:schemeClr val="tx1"/>
-            </a:solidFill>
-          </a:ln>
-        </p:spPr>
-        <p:style>
-          <a:lnRef idx="2">
-            <a:schemeClr val="accent1">
-              <a:shade val="50000"/>
-            </a:schemeClr>
-          </a:lnRef>
-          <a:fillRef idx="1">
-            <a:schemeClr val="accent1"/>
-          </a:fillRef>
-          <a:effectRef idx="0">
-            <a:schemeClr val="accent1"/>
-          </a:effectRef>
-          <a:fontRef idx="minor">
-            <a:schemeClr val="lt1"/>
-          </a:fontRef>
-        </p:style>
-        <p:txBody>
-          <a:bodyPr rtlCol="0" anchor="ctr"/>
-          <a:lstStyle/>
-          <a:p>
-            <a:pPr algn="ctr"/>
-            <a:endParaRPr lang="en-GB" dirty="0"/>
-          </a:p>
-        </p:txBody>
-      </p:sp>
-      <p:sp>
-        <p:nvSpPr>
-          <p:cNvPr id="13" name="TextBox 12"/>
-          <p:cNvSpPr txBox="1"/>
-          <p:nvPr/>
-        </p:nvSpPr>
-        <p:spPr>
-          <a:xfrm>
-            <a:off x="1337012" y="1972621"/>
-            <a:ext cx="510076" cy="307777"/>
-          </a:xfrm>
-          <a:prstGeom prst="rect">
-            <a:avLst/>
-          </a:prstGeom>
-          <a:noFill/>
-        </p:spPr>
-        <p:txBody>
-          <a:bodyPr wrap="none" rtlCol="0">
-            <a:spAutoFit/>
-          </a:bodyPr>
-          <a:lstStyle/>
-          <a:p>
-            <a:r>
-              <a:rPr lang="en-GB" sz="1400" dirty="0" smtClean="0"/>
-              <a:t>loop</a:t>
-            </a:r>
-            <a:endParaRPr lang="en-GB" sz="1400" dirty="0"/>
-          </a:p>
-        </p:txBody>
-      </p:sp>
-      <p:sp>
-        <p:nvSpPr>
-          <p:cNvPr id="56" name="TextBox 55"/>
-          <p:cNvSpPr txBox="1"/>
-          <p:nvPr/>
-        </p:nvSpPr>
-        <p:spPr>
-          <a:xfrm>
-            <a:off x="1252886" y="2218008"/>
-            <a:ext cx="1208985" cy="369332"/>
-          </a:xfrm>
-          <a:prstGeom prst="rect">
-            <a:avLst/>
-          </a:prstGeom>
-          <a:noFill/>
-        </p:spPr>
-        <p:txBody>
-          <a:bodyPr wrap="none" rtlCol="0">
-            <a:spAutoFit/>
-          </a:bodyPr>
-          <a:lstStyle/>
-          <a:p>
-            <a:r>
-              <a:rPr lang="en-GB" sz="900" dirty="0" smtClean="0"/>
-              <a:t>[for each person from</a:t>
-            </a:r>
-          </a:p>
-          <a:p>
-            <a:r>
-              <a:rPr lang="en-GB" sz="900" dirty="0" smtClean="0"/>
-              <a:t> FilteredPersonList]</a:t>
-            </a:r>
-            <a:endParaRPr lang="en-GB" sz="900" dirty="0"/>
-          </a:p>
-        </p:txBody>
-      </p:sp>
     </p:spTree>
     <p:extLst>
       <p:ext uri="{BB962C8B-B14F-4D97-AF65-F5344CB8AC3E}">
